--- a/assets/presentation.pptx
+++ b/assets/presentation.pptx
@@ -343,7 +343,7 @@
       </p:grpSpPr>
       <p:sp>
         <p:nvSpPr>
-          <p:cNvPr id="117" name="Shape 117"/>
+          <p:cNvPr id="121" name="Shape 121"/>
           <p:cNvSpPr/>
           <p:nvPr>
             <p:ph type="sldImg"/>
@@ -368,7 +368,7 @@
       </p:sp>
       <p:sp>
         <p:nvSpPr>
-          <p:cNvPr id="118" name="Shape 118"/>
+          <p:cNvPr id="122" name="Shape 122"/>
           <p:cNvSpPr/>
           <p:nvPr>
             <p:ph type="body" sz="quarter" idx="1"/>
@@ -517,7 +517,7 @@
       </p:grpSpPr>
       <p:sp>
         <p:nvSpPr>
-          <p:cNvPr id="132" name="Shape 132"/>
+          <p:cNvPr id="136" name="Shape 136"/>
           <p:cNvSpPr/>
           <p:nvPr>
             <p:ph type="sldImg"/>
@@ -538,7 +538,7 @@
       </p:sp>
       <p:sp>
         <p:nvSpPr>
-          <p:cNvPr id="133" name="Shape 133"/>
+          <p:cNvPr id="137" name="Shape 137"/>
           <p:cNvSpPr/>
           <p:nvPr>
             <p:ph type="body" sz="quarter" idx="1"/>
@@ -629,7 +629,7 @@
 </file>
 
 <file path=ppt/slideLayouts/slideLayout1.xml><?xml version="1.0" encoding="utf-8"?>
-<p:sldLayout xmlns:a="http://schemas.openxmlformats.org/drawingml/2006/main" xmlns:r="http://schemas.openxmlformats.org/officeDocument/2006/relationships" xmlns:p="http://schemas.openxmlformats.org/presentationml/2006/main" type="title" showMasterSp="1" showMasterPhAnim="1">
+<p:sldLayout xmlns:a="http://schemas.openxmlformats.org/drawingml/2006/main" xmlns:r="http://schemas.openxmlformats.org/officeDocument/2006/relationships" xmlns:p="http://schemas.openxmlformats.org/presentationml/2006/main" type="title" showMasterSp="0" showMasterPhAnim="1">
   <p:cSld name="Title &amp; Subtitle">
     <p:spTree>
       <p:nvGrpSpPr>
@@ -791,9 +791,38 @@
           </a:p>
         </p:txBody>
       </p:sp>
+      <p:pic>
+        <p:nvPicPr>
+          <p:cNvPr id="14" name="GooglePlay@2x.png"/>
+          <p:cNvPicPr>
+            <a:picLocks noChangeAspect="1"/>
+          </p:cNvPicPr>
+          <p:nvPr/>
+        </p:nvPicPr>
+        <p:blipFill>
+          <a:blip r:embed="rId2">
+            <a:extLst/>
+          </a:blip>
+          <a:stretch>
+            <a:fillRect/>
+          </a:stretch>
+        </p:blipFill>
+        <p:spPr>
+          <a:xfrm>
+            <a:off x="2381" y="8383562"/>
+            <a:ext cx="1366466" cy="1366467"/>
+          </a:xfrm>
+          <a:prstGeom prst="rect">
+            <a:avLst/>
+          </a:prstGeom>
+          <a:ln w="12700">
+            <a:miter lim="400000"/>
+          </a:ln>
+        </p:spPr>
+      </p:pic>
       <p:sp>
         <p:nvSpPr>
-          <p:cNvPr id="14" name="Shape 14"/>
+          <p:cNvPr id="15" name="Shape 15"/>
           <p:cNvSpPr/>
           <p:nvPr>
             <p:ph type="sldNum" sz="quarter" idx="2"/>
@@ -841,7 +870,7 @@
       </p:grpSpPr>
       <p:sp>
         <p:nvSpPr>
-          <p:cNvPr id="94" name="Shape 94"/>
+          <p:cNvPr id="98" name="Shape 98"/>
           <p:cNvSpPr/>
           <p:nvPr>
             <p:ph type="body" sz="quarter" idx="13"/>
@@ -885,7 +914,7 @@
       </p:sp>
       <p:sp>
         <p:nvSpPr>
-          <p:cNvPr id="95" name="Shape 95"/>
+          <p:cNvPr id="99" name="Shape 99"/>
           <p:cNvSpPr/>
           <p:nvPr>
             <p:ph type="body" sz="quarter" idx="14"/>
@@ -929,7 +958,7 @@
       </p:sp>
       <p:sp>
         <p:nvSpPr>
-          <p:cNvPr id="96" name="Shape 96"/>
+          <p:cNvPr id="100" name="Shape 100"/>
           <p:cNvSpPr/>
           <p:nvPr>
             <p:ph type="sldNum" sz="quarter" idx="2"/>
@@ -977,7 +1006,7 @@
       </p:grpSpPr>
       <p:sp>
         <p:nvSpPr>
-          <p:cNvPr id="103" name="Shape 103"/>
+          <p:cNvPr id="107" name="Shape 107"/>
           <p:cNvSpPr/>
           <p:nvPr>
             <p:ph type="pic" idx="13"/>
@@ -1004,7 +1033,7 @@
       </p:sp>
       <p:sp>
         <p:nvSpPr>
-          <p:cNvPr id="104" name="Shape 104"/>
+          <p:cNvPr id="108" name="Shape 108"/>
           <p:cNvSpPr/>
           <p:nvPr>
             <p:ph type="sldNum" sz="quarter" idx="2"/>
@@ -1052,7 +1081,7 @@
       </p:grpSpPr>
       <p:sp>
         <p:nvSpPr>
-          <p:cNvPr id="111" name="Shape 111"/>
+          <p:cNvPr id="115" name="Shape 115"/>
           <p:cNvSpPr/>
           <p:nvPr>
             <p:ph type="sldNum" sz="quarter" idx="2"/>
@@ -1082,7 +1111,7 @@
 </file>
 
 <file path=ppt/slideLayouts/slideLayout2.xml><?xml version="1.0" encoding="utf-8"?>
-<p:sldLayout xmlns:a="http://schemas.openxmlformats.org/drawingml/2006/main" xmlns:r="http://schemas.openxmlformats.org/officeDocument/2006/relationships" xmlns:p="http://schemas.openxmlformats.org/presentationml/2006/main" type="tx" showMasterSp="1" showMasterPhAnim="1">
+<p:sldLayout xmlns:a="http://schemas.openxmlformats.org/drawingml/2006/main" xmlns:r="http://schemas.openxmlformats.org/officeDocument/2006/relationships" xmlns:p="http://schemas.openxmlformats.org/presentationml/2006/main" type="tx" showMasterSp="0" showMasterPhAnim="1">
   <p:cSld name="Photo - Horizontal">
     <p:spTree>
       <p:nvGrpSpPr>
@@ -1100,7 +1129,7 @@
       </p:grpSpPr>
       <p:sp>
         <p:nvSpPr>
-          <p:cNvPr id="21" name="Shape 21"/>
+          <p:cNvPr id="22" name="Shape 22"/>
           <p:cNvSpPr/>
           <p:nvPr>
             <p:ph type="pic" idx="13"/>
@@ -1127,7 +1156,7 @@
       </p:sp>
       <p:sp>
         <p:nvSpPr>
-          <p:cNvPr id="22" name="Shape 22"/>
+          <p:cNvPr id="23" name="Shape 23"/>
           <p:cNvSpPr/>
           <p:nvPr>
             <p:ph type="title"/>
@@ -1155,7 +1184,7 @@
       </p:sp>
       <p:sp>
         <p:nvSpPr>
-          <p:cNvPr id="23" name="Shape 23"/>
+          <p:cNvPr id="24" name="Shape 24"/>
           <p:cNvSpPr/>
           <p:nvPr>
             <p:ph type="body" sz="quarter" idx="1"/>
@@ -1271,9 +1300,38 @@
           </a:p>
         </p:txBody>
       </p:sp>
+      <p:pic>
+        <p:nvPicPr>
+          <p:cNvPr id="25" name="GooglePlay@2x.png"/>
+          <p:cNvPicPr>
+            <a:picLocks noChangeAspect="1"/>
+          </p:cNvPicPr>
+          <p:nvPr/>
+        </p:nvPicPr>
+        <p:blipFill>
+          <a:blip r:embed="rId2">
+            <a:extLst/>
+          </a:blip>
+          <a:stretch>
+            <a:fillRect/>
+          </a:stretch>
+        </p:blipFill>
+        <p:spPr>
+          <a:xfrm>
+            <a:off x="2381" y="8383562"/>
+            <a:ext cx="1366466" cy="1366467"/>
+          </a:xfrm>
+          <a:prstGeom prst="rect">
+            <a:avLst/>
+          </a:prstGeom>
+          <a:ln w="12700">
+            <a:miter lim="400000"/>
+          </a:ln>
+        </p:spPr>
+      </p:pic>
       <p:sp>
         <p:nvSpPr>
-          <p:cNvPr id="24" name="Shape 24"/>
+          <p:cNvPr id="26" name="Shape 26"/>
           <p:cNvSpPr/>
           <p:nvPr>
             <p:ph type="sldNum" sz="quarter" idx="2"/>
@@ -1321,7 +1379,7 @@
       </p:grpSpPr>
       <p:sp>
         <p:nvSpPr>
-          <p:cNvPr id="31" name="Shape 31"/>
+          <p:cNvPr id="33" name="Shape 33"/>
           <p:cNvSpPr/>
           <p:nvPr>
             <p:ph type="title"/>
@@ -1349,7 +1407,7 @@
       </p:sp>
       <p:sp>
         <p:nvSpPr>
-          <p:cNvPr id="32" name="Shape 32"/>
+          <p:cNvPr id="34" name="Shape 34"/>
           <p:cNvSpPr/>
           <p:nvPr>
             <p:ph type="sldNum" sz="quarter" idx="2"/>
@@ -1397,7 +1455,7 @@
       </p:grpSpPr>
       <p:sp>
         <p:nvSpPr>
-          <p:cNvPr id="39" name="Shape 39"/>
+          <p:cNvPr id="41" name="Shape 41"/>
           <p:cNvSpPr/>
           <p:nvPr>
             <p:ph type="pic" sz="half" idx="13"/>
@@ -1424,7 +1482,7 @@
       </p:sp>
       <p:sp>
         <p:nvSpPr>
-          <p:cNvPr id="40" name="Shape 40"/>
+          <p:cNvPr id="42" name="Shape 42"/>
           <p:cNvSpPr/>
           <p:nvPr>
             <p:ph type="title"/>
@@ -1456,7 +1514,7 @@
       </p:sp>
       <p:sp>
         <p:nvSpPr>
-          <p:cNvPr id="41" name="Shape 41"/>
+          <p:cNvPr id="43" name="Shape 43"/>
           <p:cNvSpPr/>
           <p:nvPr>
             <p:ph type="body" sz="quarter" idx="1"/>
@@ -1574,7 +1632,7 @@
       </p:sp>
       <p:sp>
         <p:nvSpPr>
-          <p:cNvPr id="42" name="Shape 42"/>
+          <p:cNvPr id="44" name="Shape 44"/>
           <p:cNvSpPr/>
           <p:nvPr>
             <p:ph type="sldNum" sz="quarter" idx="2"/>
@@ -1622,7 +1680,7 @@
       </p:grpSpPr>
       <p:sp>
         <p:nvSpPr>
-          <p:cNvPr id="49" name="Shape 49"/>
+          <p:cNvPr id="51" name="Shape 51"/>
           <p:cNvSpPr/>
           <p:nvPr>
             <p:ph type="title"/>
@@ -1646,7 +1704,7 @@
       </p:sp>
       <p:sp>
         <p:nvSpPr>
-          <p:cNvPr id="50" name="Shape 50"/>
+          <p:cNvPr id="52" name="Shape 52"/>
           <p:cNvSpPr/>
           <p:nvPr>
             <p:ph type="sldNum" sz="quarter" idx="2"/>
@@ -1694,7 +1752,7 @@
       </p:grpSpPr>
       <p:sp>
         <p:nvSpPr>
-          <p:cNvPr id="57" name="Shape 57"/>
+          <p:cNvPr id="59" name="Shape 59"/>
           <p:cNvSpPr/>
           <p:nvPr>
             <p:ph type="title"/>
@@ -1718,7 +1776,7 @@
       </p:sp>
       <p:sp>
         <p:nvSpPr>
-          <p:cNvPr id="58" name="Shape 58"/>
+          <p:cNvPr id="60" name="Shape 60"/>
           <p:cNvSpPr/>
           <p:nvPr>
             <p:ph type="body" idx="1"/>
@@ -1817,7 +1875,7 @@
       </p:sp>
       <p:sp>
         <p:nvSpPr>
-          <p:cNvPr id="59" name="Shape 59"/>
+          <p:cNvPr id="61" name="Shape 61"/>
           <p:cNvSpPr/>
           <p:nvPr>
             <p:ph type="sldNum" sz="quarter" idx="2"/>
@@ -1847,7 +1905,7 @@
 </file>
 
 <file path=ppt/slideLayouts/slideLayout7.xml><?xml version="1.0" encoding="utf-8"?>
-<p:sldLayout xmlns:a="http://schemas.openxmlformats.org/drawingml/2006/main" xmlns:r="http://schemas.openxmlformats.org/officeDocument/2006/relationships" xmlns:p="http://schemas.openxmlformats.org/presentationml/2006/main" type="tx" showMasterSp="1" showMasterPhAnim="1">
+<p:sldLayout xmlns:a="http://schemas.openxmlformats.org/drawingml/2006/main" xmlns:r="http://schemas.openxmlformats.org/officeDocument/2006/relationships" xmlns:p="http://schemas.openxmlformats.org/presentationml/2006/main" type="tx" showMasterSp="0" showMasterPhAnim="1">
   <p:cSld name="Title, Bullets &amp; Photo">
     <p:spTree>
       <p:nvGrpSpPr>
@@ -1865,7 +1923,7 @@
       </p:grpSpPr>
       <p:sp>
         <p:nvSpPr>
-          <p:cNvPr id="66" name="Shape 66"/>
+          <p:cNvPr id="68" name="Shape 68"/>
           <p:cNvSpPr/>
           <p:nvPr>
             <p:ph type="pic" sz="half" idx="13"/>
@@ -1892,7 +1950,7 @@
       </p:sp>
       <p:sp>
         <p:nvSpPr>
-          <p:cNvPr id="67" name="Shape 67"/>
+          <p:cNvPr id="69" name="Shape 69"/>
           <p:cNvSpPr/>
           <p:nvPr>
             <p:ph type="title"/>
@@ -1916,7 +1974,7 @@
       </p:sp>
       <p:sp>
         <p:nvSpPr>
-          <p:cNvPr id="68" name="Shape 68"/>
+          <p:cNvPr id="70" name="Shape 70"/>
           <p:cNvSpPr/>
           <p:nvPr>
             <p:ph type="body" sz="half" idx="1"/>
@@ -2032,9 +2090,38 @@
           </a:p>
         </p:txBody>
       </p:sp>
+      <p:pic>
+        <p:nvPicPr>
+          <p:cNvPr id="71" name="GooglePlay@2x.png"/>
+          <p:cNvPicPr>
+            <a:picLocks noChangeAspect="1"/>
+          </p:cNvPicPr>
+          <p:nvPr/>
+        </p:nvPicPr>
+        <p:blipFill>
+          <a:blip r:embed="rId2">
+            <a:extLst/>
+          </a:blip>
+          <a:stretch>
+            <a:fillRect/>
+          </a:stretch>
+        </p:blipFill>
+        <p:spPr>
+          <a:xfrm>
+            <a:off x="2381" y="8383562"/>
+            <a:ext cx="1366466" cy="1366467"/>
+          </a:xfrm>
+          <a:prstGeom prst="rect">
+            <a:avLst/>
+          </a:prstGeom>
+          <a:ln w="12700">
+            <a:miter lim="400000"/>
+          </a:ln>
+        </p:spPr>
+      </p:pic>
       <p:sp>
         <p:nvSpPr>
-          <p:cNvPr id="69" name="Shape 69"/>
+          <p:cNvPr id="72" name="Shape 72"/>
           <p:cNvSpPr/>
           <p:nvPr>
             <p:ph type="sldNum" sz="quarter" idx="2"/>
@@ -2064,7 +2151,7 @@
 </file>
 
 <file path=ppt/slideLayouts/slideLayout8.xml><?xml version="1.0" encoding="utf-8"?>
-<p:sldLayout xmlns:a="http://schemas.openxmlformats.org/drawingml/2006/main" xmlns:r="http://schemas.openxmlformats.org/officeDocument/2006/relationships" xmlns:p="http://schemas.openxmlformats.org/presentationml/2006/main" type="tx" showMasterSp="1" showMasterPhAnim="1">
+<p:sldLayout xmlns:a="http://schemas.openxmlformats.org/drawingml/2006/main" xmlns:r="http://schemas.openxmlformats.org/officeDocument/2006/relationships" xmlns:p="http://schemas.openxmlformats.org/presentationml/2006/main" type="tx" showMasterSp="0" showMasterPhAnim="1">
   <p:cSld name="Bullets">
     <p:spTree>
       <p:nvGrpSpPr>
@@ -2082,7 +2169,7 @@
       </p:grpSpPr>
       <p:sp>
         <p:nvSpPr>
-          <p:cNvPr id="76" name="Shape 76"/>
+          <p:cNvPr id="79" name="Shape 79"/>
           <p:cNvSpPr/>
           <p:nvPr>
             <p:ph type="body" idx="1"/>
@@ -2183,9 +2270,38 @@
           </a:p>
         </p:txBody>
       </p:sp>
+      <p:pic>
+        <p:nvPicPr>
+          <p:cNvPr id="80" name="GooglePlay@2x.png"/>
+          <p:cNvPicPr>
+            <a:picLocks noChangeAspect="1"/>
+          </p:cNvPicPr>
+          <p:nvPr/>
+        </p:nvPicPr>
+        <p:blipFill>
+          <a:blip r:embed="rId2">
+            <a:extLst/>
+          </a:blip>
+          <a:stretch>
+            <a:fillRect/>
+          </a:stretch>
+        </p:blipFill>
+        <p:spPr>
+          <a:xfrm>
+            <a:off x="2381" y="8383562"/>
+            <a:ext cx="1366466" cy="1366467"/>
+          </a:xfrm>
+          <a:prstGeom prst="rect">
+            <a:avLst/>
+          </a:prstGeom>
+          <a:ln w="12700">
+            <a:miter lim="400000"/>
+          </a:ln>
+        </p:spPr>
+      </p:pic>
       <p:sp>
         <p:nvSpPr>
-          <p:cNvPr id="77" name="Shape 77"/>
+          <p:cNvPr id="81" name="Shape 81"/>
           <p:cNvSpPr/>
           <p:nvPr>
             <p:ph type="sldNum" sz="quarter" idx="2"/>
@@ -2233,7 +2349,7 @@
       </p:grpSpPr>
       <p:sp>
         <p:nvSpPr>
-          <p:cNvPr id="84" name="Shape 84"/>
+          <p:cNvPr id="88" name="Shape 88"/>
           <p:cNvSpPr/>
           <p:nvPr>
             <p:ph type="pic" sz="quarter" idx="13"/>
@@ -2260,7 +2376,7 @@
       </p:sp>
       <p:sp>
         <p:nvSpPr>
-          <p:cNvPr id="85" name="Shape 85"/>
+          <p:cNvPr id="89" name="Shape 89"/>
           <p:cNvSpPr/>
           <p:nvPr>
             <p:ph type="pic" sz="quarter" idx="14"/>
@@ -2287,7 +2403,7 @@
       </p:sp>
       <p:sp>
         <p:nvSpPr>
-          <p:cNvPr id="86" name="Shape 86"/>
+          <p:cNvPr id="90" name="Shape 90"/>
           <p:cNvSpPr/>
           <p:nvPr>
             <p:ph type="pic" sz="half" idx="15"/>
@@ -2314,7 +2430,7 @@
       </p:sp>
       <p:sp>
         <p:nvSpPr>
-          <p:cNvPr id="87" name="Shape 87"/>
+          <p:cNvPr id="91" name="Shape 91"/>
           <p:cNvSpPr/>
           <p:nvPr>
             <p:ph type="sldNum" sz="quarter" idx="2"/>
@@ -2423,8 +2539,8 @@
         </p:blipFill>
         <p:spPr>
           <a:xfrm>
-            <a:off x="2381" y="8383562"/>
-            <a:ext cx="1366466" cy="1366467"/>
+            <a:off x="2381" y="8672611"/>
+            <a:ext cx="1077417" cy="1077418"/>
           </a:xfrm>
           <a:prstGeom prst="rect">
             <a:avLst/>
@@ -3362,7 +3478,7 @@
       </p:grpSpPr>
       <p:sp>
         <p:nvSpPr>
-          <p:cNvPr id="120" name="Shape 120"/>
+          <p:cNvPr id="124" name="Shape 124"/>
           <p:cNvSpPr/>
           <p:nvPr>
             <p:ph type="ctrTitle"/>
@@ -3386,7 +3502,7 @@
       </p:sp>
       <p:sp>
         <p:nvSpPr>
-          <p:cNvPr id="121" name="Shape 121"/>
+          <p:cNvPr id="125" name="Shape 125"/>
           <p:cNvSpPr/>
           <p:nvPr>
             <p:ph type="subTitle" sz="quarter" idx="1"/>
@@ -3436,7 +3552,7 @@
       </p:grpSpPr>
       <p:sp>
         <p:nvSpPr>
-          <p:cNvPr id="123" name="Shape 123"/>
+          <p:cNvPr id="127" name="Shape 127"/>
           <p:cNvSpPr/>
           <p:nvPr>
             <p:ph type="title"/>
@@ -3460,7 +3576,7 @@
       </p:sp>
       <p:sp>
         <p:nvSpPr>
-          <p:cNvPr id="124" name="Shape 124"/>
+          <p:cNvPr id="128" name="Shape 128"/>
           <p:cNvSpPr/>
           <p:nvPr>
             <p:ph type="body" idx="1"/>
@@ -3540,7 +3656,7 @@
       </p:grpSpPr>
       <p:sp>
         <p:nvSpPr>
-          <p:cNvPr id="126" name="Shape 126"/>
+          <p:cNvPr id="130" name="Shape 130"/>
           <p:cNvSpPr/>
           <p:nvPr>
             <p:ph type="title"/>
@@ -3590,7 +3706,7 @@
       </p:grpSpPr>
       <p:sp>
         <p:nvSpPr>
-          <p:cNvPr id="128" name="Shape 128"/>
+          <p:cNvPr id="132" name="Shape 132"/>
           <p:cNvSpPr/>
           <p:nvPr>
             <p:ph type="title"/>
@@ -3614,7 +3730,7 @@
       </p:sp>
       <p:sp>
         <p:nvSpPr>
-          <p:cNvPr id="129" name="Shape 129"/>
+          <p:cNvPr id="133" name="Shape 133"/>
           <p:cNvSpPr/>
           <p:nvPr>
             <p:ph type="body" idx="1"/>
@@ -3664,56 +3780,6 @@
 </file>
 
 <file path=ppt/slides/slide5.xml><?xml version="1.0" encoding="utf-8"?>
-<p:sld xmlns:a="http://schemas.openxmlformats.org/drawingml/2006/main" xmlns:r="http://schemas.openxmlformats.org/officeDocument/2006/relationships" xmlns:p="http://schemas.openxmlformats.org/presentationml/2006/main" showMasterSp="1" showMasterPhAnim="1">
-  <p:cSld>
-    <p:spTree>
-      <p:nvGrpSpPr>
-        <p:cNvPr id="1" name=""/>
-        <p:cNvGrpSpPr/>
-        <p:nvPr/>
-      </p:nvGrpSpPr>
-      <p:grpSpPr>
-        <a:xfrm>
-          <a:off x="0" y="0"/>
-          <a:ext cx="0" cy="0"/>
-          <a:chOff x="0" y="0"/>
-          <a:chExt cx="0" cy="0"/>
-        </a:xfrm>
-      </p:grpSpPr>
-      <p:sp>
-        <p:nvSpPr>
-          <p:cNvPr id="131" name="Shape 131"/>
-          <p:cNvSpPr/>
-          <p:nvPr>
-            <p:ph type="title"/>
-          </p:nvPr>
-        </p:nvSpPr>
-        <p:spPr>
-          <a:prstGeom prst="rect">
-            <a:avLst/>
-          </a:prstGeom>
-        </p:spPr>
-        <p:txBody>
-          <a:bodyPr/>
-          <a:lstStyle/>
-          <a:p>
-            <a:pPr/>
-            <a:r>
-              <a:t>Demo</a:t>
-            </a:r>
-          </a:p>
-        </p:txBody>
-      </p:sp>
-    </p:spTree>
-  </p:cSld>
-  <p:clrMapOvr>
-    <a:masterClrMapping/>
-  </p:clrMapOvr>
-  <p:transition xmlns:p14="http://schemas.microsoft.com/office/powerpoint/2010/main" spd="med" advClick="1" p14:dur="1000"/>
-</p:sld>
-</file>
-
-<file path=ppt/slides/slide6.xml><?xml version="1.0" encoding="utf-8"?>
 <p:sld xmlns:a="http://schemas.openxmlformats.org/drawingml/2006/main" xmlns:r="http://schemas.openxmlformats.org/officeDocument/2006/relationships" xmlns:p="http://schemas.openxmlformats.org/presentationml/2006/main" showMasterSp="1" showMasterPhAnim="1">
   <p:cSld>
     <p:spTree>
@@ -3749,6 +3815,56 @@
           <a:p>
             <a:pPr/>
             <a:r>
+              <a:t>Demo</a:t>
+            </a:r>
+          </a:p>
+        </p:txBody>
+      </p:sp>
+    </p:spTree>
+  </p:cSld>
+  <p:clrMapOvr>
+    <a:masterClrMapping/>
+  </p:clrMapOvr>
+  <p:transition xmlns:p14="http://schemas.microsoft.com/office/powerpoint/2010/main" spd="med" advClick="1" p14:dur="1000"/>
+</p:sld>
+</file>
+
+<file path=ppt/slides/slide6.xml><?xml version="1.0" encoding="utf-8"?>
+<p:sld xmlns:a="http://schemas.openxmlformats.org/drawingml/2006/main" xmlns:r="http://schemas.openxmlformats.org/officeDocument/2006/relationships" xmlns:p="http://schemas.openxmlformats.org/presentationml/2006/main" showMasterSp="1" showMasterPhAnim="1">
+  <p:cSld>
+    <p:spTree>
+      <p:nvGrpSpPr>
+        <p:cNvPr id="1" name=""/>
+        <p:cNvGrpSpPr/>
+        <p:nvPr/>
+      </p:nvGrpSpPr>
+      <p:grpSpPr>
+        <a:xfrm>
+          <a:off x="0" y="0"/>
+          <a:ext cx="0" cy="0"/>
+          <a:chOff x="0" y="0"/>
+          <a:chExt cx="0" cy="0"/>
+        </a:xfrm>
+      </p:grpSpPr>
+      <p:sp>
+        <p:nvSpPr>
+          <p:cNvPr id="139" name="Shape 139"/>
+          <p:cNvSpPr/>
+          <p:nvPr>
+            <p:ph type="title"/>
+          </p:nvPr>
+        </p:nvSpPr>
+        <p:spPr>
+          <a:prstGeom prst="rect">
+            <a:avLst/>
+          </a:prstGeom>
+        </p:spPr>
+        <p:txBody>
+          <a:bodyPr/>
+          <a:lstStyle/>
+          <a:p>
+            <a:pPr/>
+            <a:r>
               <a:t>Realisaties</a:t>
             </a:r>
           </a:p>
@@ -3756,7 +3872,7 @@
       </p:sp>
       <p:sp>
         <p:nvSpPr>
-          <p:cNvPr id="136" name="Shape 136"/>
+          <p:cNvPr id="140" name="Shape 140"/>
           <p:cNvSpPr/>
           <p:nvPr>
             <p:ph type="body" idx="1"/>
@@ -3830,7 +3946,7 @@
       </p:grpSpPr>
       <p:sp>
         <p:nvSpPr>
-          <p:cNvPr id="138" name="Shape 138"/>
+          <p:cNvPr id="142" name="Shape 142"/>
           <p:cNvSpPr/>
           <p:nvPr>
             <p:ph type="title"/>
@@ -3854,7 +3970,7 @@
       </p:sp>
       <p:sp>
         <p:nvSpPr>
-          <p:cNvPr id="139" name="Shape 139"/>
+          <p:cNvPr id="143" name="Shape 143"/>
           <p:cNvSpPr/>
           <p:nvPr>
             <p:ph type="body" idx="1"/>
@@ -3922,7 +4038,7 @@
       </p:grpSpPr>
       <p:sp>
         <p:nvSpPr>
-          <p:cNvPr id="141" name="Shape 141"/>
+          <p:cNvPr id="145" name="Shape 145"/>
           <p:cNvSpPr/>
           <p:nvPr>
             <p:ph type="title"/>

--- a/assets/presentation.pptx
+++ b/assets/presentation.pptx
@@ -3599,13 +3599,13 @@
           <a:p>
             <a:pPr/>
             <a:r>
+              <a:t>Probleemstelling</a:t>
+            </a:r>
+          </a:p>
+          <a:p>
+            <a:pPr/>
+            <a:r>
               <a:t>Demo</a:t>
-            </a:r>
-          </a:p>
-          <a:p>
-            <a:pPr/>
-            <a:r>
-              <a:t>Probleemstelling</a:t>
             </a:r>
           </a:p>
           <a:p>

--- a/assets/presentation.pptx
+++ b/assets/presentation.pptx
@@ -3747,25 +3747,25 @@
           <a:p>
             <a:pPr/>
             <a:r>
-              <a:t>onthouden</a:t>
-            </a:r>
-          </a:p>
-          <a:p>
-            <a:pPr/>
-            <a:r>
-              <a:t>opschrijven</a:t>
-            </a:r>
-          </a:p>
-          <a:p>
-            <a:pPr/>
-            <a:r>
-              <a:t>locatie</a:t>
-            </a:r>
-          </a:p>
-          <a:p>
-            <a:pPr/>
-            <a:r>
-              <a:t>directe info</a:t>
+              <a:t>Onthouden</a:t>
+            </a:r>
+          </a:p>
+          <a:p>
+            <a:pPr/>
+            <a:r>
+              <a:t>Opschrijven</a:t>
+            </a:r>
+          </a:p>
+          <a:p>
+            <a:pPr/>
+            <a:r>
+              <a:t>Locatie</a:t>
+            </a:r>
+          </a:p>
+          <a:p>
+            <a:pPr/>
+            <a:r>
+              <a:t>Directe info</a:t>
             </a:r>
           </a:p>
         </p:txBody>
@@ -4005,7 +4005,7 @@
           <a:p>
             <a:pPr/>
             <a:r>
-              <a:t>kilometervergoeding</a:t>
+              <a:t>Kilometervergoeding</a:t>
             </a:r>
           </a:p>
         </p:txBody>
@@ -4055,7 +4055,7 @@
           <a:p>
             <a:pPr/>
             <a:r>
-              <a:t>vragen</a:t>
+              <a:t>Vragen</a:t>
             </a:r>
           </a:p>
         </p:txBody>

--- a/assets/presentation.pptx
+++ b/assets/presentation.pptx
@@ -16,6 +16,7 @@
     <p:sldId id="261" r:id="rId13"/>
     <p:sldId id="262" r:id="rId14"/>
     <p:sldId id="263" r:id="rId15"/>
+    <p:sldId id="264" r:id="rId16"/>
   </p:sldIdLst>
   <p:sldSz cx="13004800" cy="9753600"/>
   <p:notesSz cx="6858000" cy="9144000"/>
@@ -566,6 +567,45 @@
           </a:p>
           <a:p>
             <a:pPr/>
+          </a:p>
+          <a:p>
+            <a:pPr/>
+            <a:r>
+              <a:t>Uitnodiging versturen naar een dummy gebruiker (bv </a:t>
+            </a:r>
+            <a:r>
+              <a:rPr u="sng">
+                <a:hlinkClick r:id="rId3" invalidUrl="" action="" tgtFrame="" tooltip="" history="1" highlightClick="0" endSnd="0"/>
+              </a:rPr>
+              <a:t>example@example.com</a:t>
+            </a:r>
+            <a:r>
+              <a:t>)</a:t>
+            </a:r>
+          </a:p>
+          <a:p>
+            <a:pPr/>
+            <a:r>
+              <a:t>Website settings overlopen </a:t>
+            </a:r>
+          </a:p>
+          <a:p>
+            <a:pPr/>
+            <a:r>
+              <a:t>Website login -&gt; data van werknemers tonen</a:t>
+            </a:r>
+          </a:p>
+          <a:p>
+            <a:pPr/>
+            <a:r>
+              <a:t>Company joinen in de app</a:t>
+            </a:r>
+          </a:p>
+          <a:p>
+            <a:pPr/>
+          </a:p>
+          <a:p>
+            <a:pPr/>
             <a:r>
               <a:t>Hoofdscherm: checkin/checkout flow en notes (+ veranderingen in firebase tonen)</a:t>
             </a:r>
@@ -590,27 +630,6 @@
           </a:p>
           <a:p>
             <a:pPr/>
-            <a:r>
-              <a:t>Website login -&gt; data van werknemers tonen</a:t>
-            </a:r>
-          </a:p>
-          <a:p>
-            <a:pPr/>
-            <a:r>
-              <a:t>Website settings overlopen </a:t>
-            </a:r>
-          </a:p>
-          <a:p>
-            <a:pPr/>
-            <a:r>
-              <a:t>Uitnodiging versturen naar eem dummy gebruiker (bv example@example.com)</a:t>
-            </a:r>
-          </a:p>
-          <a:p>
-            <a:pPr/>
-            <a:r>
-              <a:t>Company joinen in de app</a:t>
-            </a:r>
           </a:p>
           <a:p>
             <a:pPr/>
@@ -3658,22 +3677,45 @@
         <p:nvSpPr>
           <p:cNvPr id="130" name="Shape 130"/>
           <p:cNvSpPr/>
-          <p:nvPr>
-            <p:ph type="title"/>
-          </p:nvPr>
+          <p:nvPr/>
         </p:nvSpPr>
         <p:spPr>
+          <a:xfrm>
+            <a:off x="1136408" y="4533900"/>
+            <a:ext cx="10731984" cy="685800"/>
+          </a:xfrm>
           <a:prstGeom prst="rect">
             <a:avLst/>
           </a:prstGeom>
+          <a:ln w="12700">
+            <a:miter lim="400000"/>
+          </a:ln>
+          <a:extLst>
+            <a:ext uri="{C572A759-6A51-4108-AA02-DFA0A04FC94B}">
+              <ma14:wrappingTextBoxFlag xmlns:ma14="http://schemas.microsoft.com/office/mac/drawingml/2011/main" val="1"/>
+            </a:ext>
+          </a:extLst>
         </p:spPr>
         <p:txBody>
-          <a:bodyPr/>
-          <a:lstStyle/>
-          <a:p>
-            <a:pPr/>
-            <a:r>
-              <a:t>Promo</a:t>
+          <a:bodyPr wrap="none" lIns="50800" tIns="50800" rIns="50800" bIns="50800" anchor="ctr">
+            <a:spAutoFit/>
+          </a:bodyPr>
+          <a:lstStyle>
+            <a:lvl1pPr>
+              <a:defRPr u="sng">
+                <a:hlinkClick r:id="rId2" invalidUrl="" action="" tgtFrame="" tooltip="" history="1" highlightClick="0" endSnd="0"/>
+              </a:defRPr>
+            </a:lvl1pPr>
+          </a:lstStyle>
+          <a:p>
+            <a:pPr>
+              <a:defRPr u="none"/>
+            </a:pPr>
+            <a:r>
+              <a:rPr u="sng">
+                <a:hlinkClick r:id="rId2" invalidUrl="" action="" tgtFrame="" tooltip="" history="1" highlightClick="0" endSnd="0"/>
+              </a:rPr>
+              <a:t>https://www.youtube.com/watch?v=XtfOG9V9VJ4</a:t>
             </a:r>
           </a:p>
         </p:txBody>
@@ -4039,6 +4081,249 @@
       <p:sp>
         <p:nvSpPr>
           <p:cNvPr id="145" name="Shape 145"/>
+          <p:cNvSpPr/>
+          <p:nvPr>
+            <p:ph type="title"/>
+          </p:nvPr>
+        </p:nvSpPr>
+        <p:spPr>
+          <a:prstGeom prst="rect">
+            <a:avLst/>
+          </a:prstGeom>
+        </p:spPr>
+        <p:txBody>
+          <a:bodyPr/>
+          <a:lstStyle/>
+          <a:p>
+            <a:pPr/>
+            <a:r>
+              <a:t>Technisch</a:t>
+            </a:r>
+          </a:p>
+        </p:txBody>
+      </p:sp>
+      <p:sp>
+        <p:nvSpPr>
+          <p:cNvPr id="146" name="Shape 146"/>
+          <p:cNvSpPr/>
+          <p:nvPr>
+            <p:ph type="body" idx="1"/>
+          </p:nvPr>
+        </p:nvSpPr>
+        <p:spPr>
+          <a:prstGeom prst="rect">
+            <a:avLst/>
+          </a:prstGeom>
+        </p:spPr>
+        <p:txBody>
+          <a:bodyPr/>
+          <a:lstStyle/>
+          <a:p>
+            <a:pPr/>
+            <a:r>
+              <a:t>Firebase</a:t>
+            </a:r>
+          </a:p>
+          <a:p>
+            <a:pPr/>
+            <a:r>
+              <a:t>Statisch</a:t>
+            </a:r>
+          </a:p>
+          <a:p>
+            <a:pPr/>
+            <a:r>
+              <a:t>Java</a:t>
+            </a:r>
+          </a:p>
+          <a:p>
+            <a:pPr/>
+            <a:r>
+              <a:t>Codacy</a:t>
+            </a:r>
+          </a:p>
+          <a:p>
+            <a:pPr/>
+            <a:r>
+              <a:t>Travis</a:t>
+            </a:r>
+          </a:p>
+        </p:txBody>
+      </p:sp>
+      <p:pic>
+        <p:nvPicPr>
+          <p:cNvPr id="147" name="pasted-image.tiff"/>
+          <p:cNvPicPr>
+            <a:picLocks noChangeAspect="1"/>
+          </p:cNvPicPr>
+          <p:nvPr/>
+        </p:nvPicPr>
+        <p:blipFill>
+          <a:blip r:embed="rId2">
+            <a:extLst/>
+          </a:blip>
+          <a:stretch>
+            <a:fillRect/>
+          </a:stretch>
+        </p:blipFill>
+        <p:spPr>
+          <a:xfrm>
+            <a:off x="3122758" y="3240214"/>
+            <a:ext cx="496236" cy="496236"/>
+          </a:xfrm>
+          <a:prstGeom prst="rect">
+            <a:avLst/>
+          </a:prstGeom>
+          <a:ln w="12700">
+            <a:miter lim="400000"/>
+          </a:ln>
+        </p:spPr>
+      </p:pic>
+      <p:pic>
+        <p:nvPicPr>
+          <p:cNvPr id="148" name="pasted-image.tiff"/>
+          <p:cNvPicPr>
+            <a:picLocks noChangeAspect="1"/>
+          </p:cNvPicPr>
+          <p:nvPr/>
+        </p:nvPicPr>
+        <p:blipFill>
+          <a:blip r:embed="rId3">
+            <a:extLst/>
+          </a:blip>
+          <a:stretch>
+            <a:fillRect/>
+          </a:stretch>
+        </p:blipFill>
+        <p:spPr>
+          <a:xfrm>
+            <a:off x="2763131" y="4075271"/>
+            <a:ext cx="2332841" cy="1077417"/>
+          </a:xfrm>
+          <a:prstGeom prst="rect">
+            <a:avLst/>
+          </a:prstGeom>
+          <a:ln w="12700">
+            <a:miter lim="400000"/>
+          </a:ln>
+        </p:spPr>
+      </p:pic>
+      <p:pic>
+        <p:nvPicPr>
+          <p:cNvPr id="149" name="logo.png"/>
+          <p:cNvPicPr>
+            <a:picLocks noChangeAspect="1"/>
+          </p:cNvPicPr>
+          <p:nvPr/>
+        </p:nvPicPr>
+        <p:blipFill>
+          <a:blip r:embed="rId4">
+            <a:extLst/>
+          </a:blip>
+          <a:stretch>
+            <a:fillRect/>
+          </a:stretch>
+        </p:blipFill>
+        <p:spPr>
+          <a:xfrm>
+            <a:off x="5282303" y="4499679"/>
+            <a:ext cx="2146301" cy="431801"/>
+          </a:xfrm>
+          <a:prstGeom prst="rect">
+            <a:avLst/>
+          </a:prstGeom>
+          <a:ln w="12700">
+            <a:miter lim="400000"/>
+          </a:ln>
+        </p:spPr>
+      </p:pic>
+      <p:pic>
+        <p:nvPicPr>
+          <p:cNvPr id="150" name="codacy-logo-white-big.pdf"/>
+          <p:cNvPicPr>
+            <a:picLocks noChangeAspect="1"/>
+          </p:cNvPicPr>
+          <p:nvPr/>
+        </p:nvPicPr>
+        <p:blipFill>
+          <a:blip r:embed="rId5">
+            <a:extLst/>
+          </a:blip>
+          <a:stretch>
+            <a:fillRect/>
+          </a:stretch>
+        </p:blipFill>
+        <p:spPr>
+          <a:xfrm>
+            <a:off x="3139180" y="6573374"/>
+            <a:ext cx="2287764" cy="431801"/>
+          </a:xfrm>
+          <a:prstGeom prst="rect">
+            <a:avLst/>
+          </a:prstGeom>
+          <a:ln w="12700">
+            <a:miter lim="400000"/>
+          </a:ln>
+        </p:spPr>
+      </p:pic>
+      <p:pic>
+        <p:nvPicPr>
+          <p:cNvPr id="151" name="footer-logo.pdf"/>
+          <p:cNvPicPr>
+            <a:picLocks noChangeAspect="1"/>
+          </p:cNvPicPr>
+          <p:nvPr/>
+        </p:nvPicPr>
+        <p:blipFill>
+          <a:blip r:embed="rId6">
+            <a:extLst/>
+          </a:blip>
+          <a:stretch>
+            <a:fillRect/>
+          </a:stretch>
+        </p:blipFill>
+        <p:spPr>
+          <a:xfrm>
+            <a:off x="2694601" y="7691583"/>
+            <a:ext cx="1352551" cy="432255"/>
+          </a:xfrm>
+          <a:prstGeom prst="rect">
+            <a:avLst/>
+          </a:prstGeom>
+          <a:ln w="12700">
+            <a:miter lim="400000"/>
+          </a:ln>
+        </p:spPr>
+      </p:pic>
+    </p:spTree>
+  </p:cSld>
+  <p:clrMapOvr>
+    <a:masterClrMapping/>
+  </p:clrMapOvr>
+  <p:transition xmlns:p14="http://schemas.microsoft.com/office/powerpoint/2010/main" spd="med" advClick="1" p14:dur="1000"/>
+</p:sld>
+</file>
+
+<file path=ppt/slides/slide9.xml><?xml version="1.0" encoding="utf-8"?>
+<p:sld xmlns:a="http://schemas.openxmlformats.org/drawingml/2006/main" xmlns:r="http://schemas.openxmlformats.org/officeDocument/2006/relationships" xmlns:p="http://schemas.openxmlformats.org/presentationml/2006/main" showMasterSp="1" showMasterPhAnim="1">
+  <p:cSld>
+    <p:spTree>
+      <p:nvGrpSpPr>
+        <p:cNvPr id="1" name=""/>
+        <p:cNvGrpSpPr/>
+        <p:nvPr/>
+      </p:nvGrpSpPr>
+      <p:grpSpPr>
+        <a:xfrm>
+          <a:off x="0" y="0"/>
+          <a:ext cx="0" cy="0"/>
+          <a:chOff x="0" y="0"/>
+          <a:chExt cx="0" cy="0"/>
+        </a:xfrm>
+      </p:grpSpPr>
+      <p:sp>
+        <p:nvSpPr>
+          <p:cNvPr id="153" name="Shape 153"/>
           <p:cNvSpPr/>
           <p:nvPr>
             <p:ph type="title"/>
